--- a/C2_MettreEnOeuvreDemarche/C2_03_PerformancesSLCI_Stabilite/63_BancHydraulique/images/Figures.pptx
+++ b/C2_MettreEnOeuvreDemarche/C2_03_PerformancesSLCI_Stabilite/63_BancHydraulique/images/Figures.pptx
@@ -8,6 +8,7 @@
     <p:sldId id="256" r:id="rId2"/>
     <p:sldId id="257" r:id="rId3"/>
     <p:sldId id="258" r:id="rId4"/>
+    <p:sldId id="259" r:id="rId5"/>
   </p:sldIdLst>
   <p:sldSz cx="12192000" cy="6858000"/>
   <p:notesSz cx="6858000" cy="9144000"/>
@@ -272,7 +273,7 @@
           <a:p>
             <a:fld id="{7DD06726-EE5C-40CC-B2E7-4EB29E602A6E}" type="datetimeFigureOut">
               <a:rPr lang="fr-FR" smtClean="0"/>
-              <a:t>26/07/2022</a:t>
+              <a:t>27/07/2022</a:t>
             </a:fld>
             <a:endParaRPr lang="fr-FR"/>
           </a:p>
@@ -470,7 +471,7 @@
           <a:p>
             <a:fld id="{7DD06726-EE5C-40CC-B2E7-4EB29E602A6E}" type="datetimeFigureOut">
               <a:rPr lang="fr-FR" smtClean="0"/>
-              <a:t>26/07/2022</a:t>
+              <a:t>27/07/2022</a:t>
             </a:fld>
             <a:endParaRPr lang="fr-FR"/>
           </a:p>
@@ -678,7 +679,7 @@
           <a:p>
             <a:fld id="{7DD06726-EE5C-40CC-B2E7-4EB29E602A6E}" type="datetimeFigureOut">
               <a:rPr lang="fr-FR" smtClean="0"/>
-              <a:t>26/07/2022</a:t>
+              <a:t>27/07/2022</a:t>
             </a:fld>
             <a:endParaRPr lang="fr-FR"/>
           </a:p>
@@ -876,7 +877,7 @@
           <a:p>
             <a:fld id="{7DD06726-EE5C-40CC-B2E7-4EB29E602A6E}" type="datetimeFigureOut">
               <a:rPr lang="fr-FR" smtClean="0"/>
-              <a:t>26/07/2022</a:t>
+              <a:t>27/07/2022</a:t>
             </a:fld>
             <a:endParaRPr lang="fr-FR"/>
           </a:p>
@@ -1151,7 +1152,7 @@
           <a:p>
             <a:fld id="{7DD06726-EE5C-40CC-B2E7-4EB29E602A6E}" type="datetimeFigureOut">
               <a:rPr lang="fr-FR" smtClean="0"/>
-              <a:t>26/07/2022</a:t>
+              <a:t>27/07/2022</a:t>
             </a:fld>
             <a:endParaRPr lang="fr-FR"/>
           </a:p>
@@ -1416,7 +1417,7 @@
           <a:p>
             <a:fld id="{7DD06726-EE5C-40CC-B2E7-4EB29E602A6E}" type="datetimeFigureOut">
               <a:rPr lang="fr-FR" smtClean="0"/>
-              <a:t>26/07/2022</a:t>
+              <a:t>27/07/2022</a:t>
             </a:fld>
             <a:endParaRPr lang="fr-FR"/>
           </a:p>
@@ -1828,7 +1829,7 @@
           <a:p>
             <a:fld id="{7DD06726-EE5C-40CC-B2E7-4EB29E602A6E}" type="datetimeFigureOut">
               <a:rPr lang="fr-FR" smtClean="0"/>
-              <a:t>26/07/2022</a:t>
+              <a:t>27/07/2022</a:t>
             </a:fld>
             <a:endParaRPr lang="fr-FR"/>
           </a:p>
@@ -1969,7 +1970,7 @@
           <a:p>
             <a:fld id="{7DD06726-EE5C-40CC-B2E7-4EB29E602A6E}" type="datetimeFigureOut">
               <a:rPr lang="fr-FR" smtClean="0"/>
-              <a:t>26/07/2022</a:t>
+              <a:t>27/07/2022</a:t>
             </a:fld>
             <a:endParaRPr lang="fr-FR"/>
           </a:p>
@@ -2082,7 +2083,7 @@
           <a:p>
             <a:fld id="{7DD06726-EE5C-40CC-B2E7-4EB29E602A6E}" type="datetimeFigureOut">
               <a:rPr lang="fr-FR" smtClean="0"/>
-              <a:t>26/07/2022</a:t>
+              <a:t>27/07/2022</a:t>
             </a:fld>
             <a:endParaRPr lang="fr-FR"/>
           </a:p>
@@ -2393,7 +2394,7 @@
           <a:p>
             <a:fld id="{7DD06726-EE5C-40CC-B2E7-4EB29E602A6E}" type="datetimeFigureOut">
               <a:rPr lang="fr-FR" smtClean="0"/>
-              <a:t>26/07/2022</a:t>
+              <a:t>27/07/2022</a:t>
             </a:fld>
             <a:endParaRPr lang="fr-FR"/>
           </a:p>
@@ -2681,7 +2682,7 @@
           <a:p>
             <a:fld id="{7DD06726-EE5C-40CC-B2E7-4EB29E602A6E}" type="datetimeFigureOut">
               <a:rPr lang="fr-FR" smtClean="0"/>
-              <a:t>26/07/2022</a:t>
+              <a:t>27/07/2022</a:t>
             </a:fld>
             <a:endParaRPr lang="fr-FR"/>
           </a:p>
@@ -2922,7 +2923,7 @@
           <a:p>
             <a:fld id="{7DD06726-EE5C-40CC-B2E7-4EB29E602A6E}" type="datetimeFigureOut">
               <a:rPr lang="fr-FR" smtClean="0"/>
-              <a:t>26/07/2022</a:t>
+              <a:t>27/07/2022</a:t>
             </a:fld>
             <a:endParaRPr lang="fr-FR"/>
           </a:p>
@@ -3419,8 +3420,8 @@
           <a:chExt cx="0" cy="0"/>
         </a:xfrm>
       </p:grpSpPr>
-      <mc:AlternateContent xmlns:mc="http://schemas.openxmlformats.org/markup-compatibility/2006">
-        <mc:Choice xmlns:a14="http://schemas.microsoft.com/office/drawing/2010/main" Requires="a14">
+      <mc:AlternateContent xmlns:mc="http://schemas.openxmlformats.org/markup-compatibility/2006" xmlns:a14="http://schemas.microsoft.com/office/drawing/2010/main">
+        <mc:Choice Requires="a14">
           <p:graphicFrame>
             <p:nvGraphicFramePr>
               <p:cNvPr id="4" name="Tableau 4">
@@ -3436,7 +3437,7 @@
               <p:nvPr>
                 <p:extLst>
                   <p:ext uri="{D42A27DB-BD31-4B8C-83A1-F6EECF244321}">
-                    <p14:modId xmlns:p14="http://schemas.microsoft.com/office/powerpoint/2010/main" val="2269548902"/>
+                    <p14:modId xmlns:p14="http://schemas.microsoft.com/office/powerpoint/2010/main" val="1290803310"/>
                   </p:ext>
                 </p:extLst>
               </p:nvPr>
@@ -3504,6 +3505,7 @@
                         <a:bodyPr/>
                         <a:lstStyle/>
                         <a:p>
+                          <a:pPr/>
                           <a14:m>
                             <m:oMathPara xmlns:m="http://schemas.openxmlformats.org/officeDocument/2006/math">
                               <m:oMathParaPr>
@@ -3535,6 +3537,7 @@
                         <a:bodyPr/>
                         <a:lstStyle/>
                         <a:p>
+                          <a:pPr/>
                           <a14:m>
                             <m:oMathPara xmlns:m="http://schemas.openxmlformats.org/officeDocument/2006/math">
                               <m:oMathParaPr>
@@ -3639,6 +3642,7 @@
                         <a:bodyPr/>
                         <a:lstStyle/>
                         <a:p>
+                          <a:pPr/>
                           <a14:m>
                             <m:oMathPara xmlns:m="http://schemas.openxmlformats.org/officeDocument/2006/math">
                               <m:oMathParaPr>
@@ -3677,6 +3681,7 @@
                         <a:bodyPr/>
                         <a:lstStyle/>
                         <a:p>
+                          <a:pPr/>
                           <a14:m>
                             <m:oMathPara xmlns:m="http://schemas.openxmlformats.org/officeDocument/2006/math">
                               <m:oMathParaPr>
@@ -3740,6 +3745,7 @@
                         <a:bodyPr/>
                         <a:lstStyle/>
                         <a:p>
+                          <a:pPr/>
                           <a14:m>
                             <m:oMathPara xmlns:m="http://schemas.openxmlformats.org/officeDocument/2006/math">
                               <m:oMathParaPr>
@@ -3800,6 +3806,7 @@
                           <a:endParaRPr lang="fr-FR" b="0" i="0" dirty="0"/>
                         </a:p>
                         <a:p>
+                          <a:pPr/>
                           <a14:m>
                             <m:oMathPara xmlns:m="http://schemas.openxmlformats.org/officeDocument/2006/math">
                               <m:oMathParaPr>
@@ -3835,6 +3842,7 @@
                         <a:bodyPr/>
                         <a:lstStyle/>
                         <a:p>
+                          <a:pPr/>
                           <a14:m>
                             <m:oMathPara xmlns:m="http://schemas.openxmlformats.org/officeDocument/2006/math">
                               <m:oMathParaPr>
@@ -3895,6 +3903,7 @@
                           <a:endParaRPr lang="fr-FR" dirty="0"/>
                         </a:p>
                         <a:p>
+                          <a:pPr/>
                           <a14:m>
                             <m:oMathPara xmlns:m="http://schemas.openxmlformats.org/officeDocument/2006/math">
                               <m:oMathParaPr>
@@ -3937,6 +3946,7 @@
                         <a:bodyPr/>
                         <a:lstStyle/>
                         <a:p>
+                          <a:pPr/>
                           <a14:m>
                             <m:oMathPara xmlns:m="http://schemas.openxmlformats.org/officeDocument/2006/math">
                               <m:oMathParaPr>
@@ -4031,6 +4041,7 @@
                         <a:bodyPr/>
                         <a:lstStyle/>
                         <a:p>
+                          <a:pPr/>
                           <a14:m>
                             <m:oMathPara xmlns:m="http://schemas.openxmlformats.org/officeDocument/2006/math">
                               <m:oMathParaPr>
@@ -4091,6 +4102,7 @@
                           <a:endParaRPr lang="fr-FR" dirty="0"/>
                         </a:p>
                         <a:p>
+                          <a:pPr/>
                           <a14:m>
                             <m:oMathPara xmlns:m="http://schemas.openxmlformats.org/officeDocument/2006/math">
                               <m:oMathParaPr>
@@ -4126,6 +4138,155 @@
                         <a:bodyPr/>
                         <a:lstStyle/>
                         <a:p>
+                          <a:pPr/>
+                          <a14:m>
+                            <m:oMathPara xmlns:m="http://schemas.openxmlformats.org/officeDocument/2006/math">
+                              <m:oMathParaPr>
+                                <m:jc m:val="centerGroup"/>
+                              </m:oMathParaPr>
+                              <m:oMath xmlns:m="http://schemas.openxmlformats.org/officeDocument/2006/math">
+                                <m:r>
+                                  <a:rPr lang="fr-FR" b="0" i="0" smtClean="0">
+                                    <a:latin typeface="Cambria Math" panose="02040503050406030204" pitchFamily="18" charset="0"/>
+                                  </a:rPr>
+                                  <m:t>+20</m:t>
+                                </m:r>
+                                <m:r>
+                                  <m:rPr>
+                                    <m:sty m:val="p"/>
+                                  </m:rPr>
+                                  <a:rPr lang="fr-FR" b="0" i="0" smtClean="0">
+                                    <a:latin typeface="Cambria Math" panose="02040503050406030204" pitchFamily="18" charset="0"/>
+                                  </a:rPr>
+                                  <m:t>dB</m:t>
+                                </m:r>
+                                <m:r>
+                                  <m:rPr>
+                                    <m:lit/>
+                                  </m:rPr>
+                                  <a:rPr lang="fr-FR" b="0" i="0" smtClean="0">
+                                    <a:latin typeface="Cambria Math" panose="02040503050406030204" pitchFamily="18" charset="0"/>
+                                  </a:rPr>
+                                  <m:t>/</m:t>
+                                </m:r>
+                                <m:r>
+                                  <m:rPr>
+                                    <m:sty m:val="p"/>
+                                  </m:rPr>
+                                  <a:rPr lang="fr-FR" b="0" i="0" smtClean="0">
+                                    <a:latin typeface="Cambria Math" panose="02040503050406030204" pitchFamily="18" charset="0"/>
+                                  </a:rPr>
+                                  <m:t>D</m:t>
+                                </m:r>
+                                <m:r>
+                                  <a:rPr lang="fr-FR" b="0" i="0" smtClean="0">
+                                    <a:latin typeface="Cambria Math" panose="02040503050406030204" pitchFamily="18" charset="0"/>
+                                  </a:rPr>
+                                  <m:t>é</m:t>
+                                </m:r>
+                                <m:r>
+                                  <m:rPr>
+                                    <m:sty m:val="p"/>
+                                  </m:rPr>
+                                  <a:rPr lang="fr-FR" b="0" i="0" smtClean="0">
+                                    <a:latin typeface="Cambria Math" panose="02040503050406030204" pitchFamily="18" charset="0"/>
+                                  </a:rPr>
+                                  <m:t>cade</m:t>
+                                </m:r>
+                              </m:oMath>
+                            </m:oMathPara>
+                          </a14:m>
+                          <a:endParaRPr lang="fr-FR" b="0" dirty="0"/>
+                        </a:p>
+                        <a:p>
+                          <a:pPr/>
+                          <a14:m>
+                            <m:oMathPara xmlns:m="http://schemas.openxmlformats.org/officeDocument/2006/math">
+                              <m:oMathParaPr>
+                                <m:jc m:val="centerGroup"/>
+                              </m:oMathParaPr>
+                              <m:oMath xmlns:m="http://schemas.openxmlformats.org/officeDocument/2006/math">
+                                <m:r>
+                                  <a:rPr lang="fr-FR" b="0" i="1" smtClean="0">
+                                    <a:latin typeface="Cambria Math" panose="02040503050406030204" pitchFamily="18" charset="0"/>
+                                  </a:rPr>
+                                  <m:t>+90°</m:t>
+                                </m:r>
+                              </m:oMath>
+                            </m:oMathPara>
+                          </a14:m>
+                          <a:endParaRPr lang="fr-FR" dirty="0"/>
+                        </a:p>
+                      </a:txBody>
+                      <a:tcPr/>
+                    </a:tc>
+                    <a:tc hMerge="1">
+                      <a:txBody>
+                        <a:bodyPr/>
+                        <a:lstStyle/>
+                        <a:p>
+                          <a:endParaRPr lang="fr-FR" dirty="0"/>
+                        </a:p>
+                      </a:txBody>
+                      <a:tcPr/>
+                    </a:tc>
+                    <a:extLst>
+                      <a:ext uri="{0D108BD9-81ED-4DB2-BD59-A6C34878D82A}">
+                        <a16:rowId xmlns:a16="http://schemas.microsoft.com/office/drawing/2014/main" val="2229491633"/>
+                      </a:ext>
+                    </a:extLst>
+                  </a:tr>
+                  <a:tr h="370840">
+                    <a:tc>
+                      <a:txBody>
+                        <a:bodyPr/>
+                        <a:lstStyle/>
+                        <a:p>
+                          <a:pPr/>
+                          <a14:m>
+                            <m:oMathPara xmlns:m="http://schemas.openxmlformats.org/officeDocument/2006/math">
+                              <m:oMathParaPr>
+                                <m:jc m:val="centerGroup"/>
+                              </m:oMathParaPr>
+                              <m:oMath xmlns:m="http://schemas.openxmlformats.org/officeDocument/2006/math">
+                                <m:r>
+                                  <a:rPr lang="fr-FR" b="0" i="1" smtClean="0">
+                                    <a:latin typeface="Cambria Math" panose="02040503050406030204" pitchFamily="18" charset="0"/>
+                                  </a:rPr>
+                                  <m:t>𝐶</m:t>
+                                </m:r>
+                                <m:r>
+                                  <a:rPr lang="fr-FR" b="0" i="1" smtClean="0">
+                                    <a:latin typeface="Cambria Math" panose="02040503050406030204" pitchFamily="18" charset="0"/>
+                                  </a:rPr>
+                                  <m:t>(</m:t>
+                                </m:r>
+                                <m:r>
+                                  <a:rPr lang="fr-FR" b="0" i="1" smtClean="0">
+                                    <a:latin typeface="Cambria Math" panose="02040503050406030204" pitchFamily="18" charset="0"/>
+                                  </a:rPr>
+                                  <m:t>𝑝</m:t>
+                                </m:r>
+                                <m:r>
+                                  <a:rPr lang="fr-FR" b="0" i="1" smtClean="0">
+                                    <a:latin typeface="Cambria Math" panose="02040503050406030204" pitchFamily="18" charset="0"/>
+                                  </a:rPr>
+                                  <m:t>)</m:t>
+                                </m:r>
+                              </m:oMath>
+                            </m:oMathPara>
+                          </a14:m>
+                          <a:endParaRPr lang="fr-FR" dirty="0"/>
+                        </a:p>
+                      </a:txBody>
+                      <a:tcPr/>
+                    </a:tc>
+                    <a:tc gridSpan="2">
+                      <a:txBody>
+                        <a:bodyPr/>
+                        <a:lstStyle/>
+                        <a:p>
+                          <a:pPr/>
                           <a14:m>
                             <m:oMathPara xmlns:m="http://schemas.openxmlformats.org/officeDocument/2006/math">
                               <m:oMathParaPr>
@@ -4186,151 +4347,7 @@
                           <a:endParaRPr lang="fr-FR" b="0" dirty="0"/>
                         </a:p>
                         <a:p>
-                          <a14:m>
-                            <m:oMathPara xmlns:m="http://schemas.openxmlformats.org/officeDocument/2006/math">
-                              <m:oMathParaPr>
-                                <m:jc m:val="centerGroup"/>
-                              </m:oMathParaPr>
-                              <m:oMath xmlns:m="http://schemas.openxmlformats.org/officeDocument/2006/math">
-                                <m:r>
-                                  <a:rPr lang="fr-FR" b="0" i="1" smtClean="0">
-                                    <a:latin typeface="Cambria Math" panose="02040503050406030204" pitchFamily="18" charset="0"/>
-                                  </a:rPr>
-                                  <m:t>−90°</m:t>
-                                </m:r>
-                              </m:oMath>
-                            </m:oMathPara>
-                          </a14:m>
-                          <a:endParaRPr lang="fr-FR" dirty="0"/>
-                        </a:p>
-                      </a:txBody>
-                      <a:tcPr/>
-                    </a:tc>
-                    <a:tc hMerge="1">
-                      <a:txBody>
-                        <a:bodyPr/>
-                        <a:lstStyle/>
-                        <a:p>
-                          <a:endParaRPr lang="fr-FR" dirty="0"/>
-                        </a:p>
-                      </a:txBody>
-                      <a:tcPr/>
-                    </a:tc>
-                    <a:extLst>
-                      <a:ext uri="{0D108BD9-81ED-4DB2-BD59-A6C34878D82A}">
-                        <a16:rowId xmlns:a16="http://schemas.microsoft.com/office/drawing/2014/main" val="2229491633"/>
-                      </a:ext>
-                    </a:extLst>
-                  </a:tr>
-                  <a:tr h="370840">
-                    <a:tc>
-                      <a:txBody>
-                        <a:bodyPr/>
-                        <a:lstStyle/>
-                        <a:p>
-                          <a14:m>
-                            <m:oMathPara xmlns:m="http://schemas.openxmlformats.org/officeDocument/2006/math">
-                              <m:oMathParaPr>
-                                <m:jc m:val="centerGroup"/>
-                              </m:oMathParaPr>
-                              <m:oMath xmlns:m="http://schemas.openxmlformats.org/officeDocument/2006/math">
-                                <m:r>
-                                  <a:rPr lang="fr-FR" b="0" i="1" smtClean="0">
-                                    <a:latin typeface="Cambria Math" panose="02040503050406030204" pitchFamily="18" charset="0"/>
-                                  </a:rPr>
-                                  <m:t>𝐶</m:t>
-                                </m:r>
-                                <m:r>
-                                  <a:rPr lang="fr-FR" b="0" i="1" smtClean="0">
-                                    <a:latin typeface="Cambria Math" panose="02040503050406030204" pitchFamily="18" charset="0"/>
-                                  </a:rPr>
-                                  <m:t>(</m:t>
-                                </m:r>
-                                <m:r>
-                                  <a:rPr lang="fr-FR" b="0" i="1" smtClean="0">
-                                    <a:latin typeface="Cambria Math" panose="02040503050406030204" pitchFamily="18" charset="0"/>
-                                  </a:rPr>
-                                  <m:t>𝑝</m:t>
-                                </m:r>
-                                <m:r>
-                                  <a:rPr lang="fr-FR" b="0" i="1" smtClean="0">
-                                    <a:latin typeface="Cambria Math" panose="02040503050406030204" pitchFamily="18" charset="0"/>
-                                  </a:rPr>
-                                  <m:t>)</m:t>
-                                </m:r>
-                              </m:oMath>
-                            </m:oMathPara>
-                          </a14:m>
-                          <a:endParaRPr lang="fr-FR" dirty="0"/>
-                        </a:p>
-                      </a:txBody>
-                      <a:tcPr/>
-                    </a:tc>
-                    <a:tc gridSpan="2">
-                      <a:txBody>
-                        <a:bodyPr/>
-                        <a:lstStyle/>
-                        <a:p>
-                          <a14:m>
-                            <m:oMathPara xmlns:m="http://schemas.openxmlformats.org/officeDocument/2006/math">
-                              <m:oMathParaPr>
-                                <m:jc m:val="centerGroup"/>
-                              </m:oMathParaPr>
-                              <m:oMath xmlns:m="http://schemas.openxmlformats.org/officeDocument/2006/math">
-                                <m:r>
-                                  <a:rPr lang="fr-FR" b="0" i="0" smtClean="0">
-                                    <a:latin typeface="Cambria Math" panose="02040503050406030204" pitchFamily="18" charset="0"/>
-                                  </a:rPr>
-                                  <m:t>−20</m:t>
-                                </m:r>
-                                <m:r>
-                                  <m:rPr>
-                                    <m:sty m:val="p"/>
-                                  </m:rPr>
-                                  <a:rPr lang="fr-FR" b="0" i="0" smtClean="0">
-                                    <a:latin typeface="Cambria Math" panose="02040503050406030204" pitchFamily="18" charset="0"/>
-                                  </a:rPr>
-                                  <m:t>dB</m:t>
-                                </m:r>
-                                <m:r>
-                                  <m:rPr>
-                                    <m:lit/>
-                                  </m:rPr>
-                                  <a:rPr lang="fr-FR" b="0" i="0" smtClean="0">
-                                    <a:latin typeface="Cambria Math" panose="02040503050406030204" pitchFamily="18" charset="0"/>
-                                  </a:rPr>
-                                  <m:t>/</m:t>
-                                </m:r>
-                                <m:r>
-                                  <m:rPr>
-                                    <m:sty m:val="p"/>
-                                  </m:rPr>
-                                  <a:rPr lang="fr-FR" b="0" i="0" smtClean="0">
-                                    <a:latin typeface="Cambria Math" panose="02040503050406030204" pitchFamily="18" charset="0"/>
-                                  </a:rPr>
-                                  <m:t>D</m:t>
-                                </m:r>
-                                <m:r>
-                                  <a:rPr lang="fr-FR" b="0" i="0" smtClean="0">
-                                    <a:latin typeface="Cambria Math" panose="02040503050406030204" pitchFamily="18" charset="0"/>
-                                  </a:rPr>
-                                  <m:t>é</m:t>
-                                </m:r>
-                                <m:r>
-                                  <m:rPr>
-                                    <m:sty m:val="p"/>
-                                  </m:rPr>
-                                  <a:rPr lang="fr-FR" b="0" i="0" smtClean="0">
-                                    <a:latin typeface="Cambria Math" panose="02040503050406030204" pitchFamily="18" charset="0"/>
-                                  </a:rPr>
-                                  <m:t>cade</m:t>
-                                </m:r>
-                              </m:oMath>
-                            </m:oMathPara>
-                          </a14:m>
-                          <a:endParaRPr lang="fr-FR" b="0" dirty="0"/>
-                        </a:p>
-                        <a:p>
+                          <a:pPr/>
                           <a14:m>
                             <m:oMathPara xmlns:m="http://schemas.openxmlformats.org/officeDocument/2006/math">
                               <m:oMathParaPr>
@@ -4393,7 +4410,7 @@
                                   <a:rPr lang="fr-FR" b="0" i="0" smtClean="0">
                                     <a:latin typeface="Cambria Math" panose="02040503050406030204" pitchFamily="18" charset="0"/>
                                   </a:rPr>
-                                  <m:t>−40</m:t>
+                                  <m:t>0</m:t>
                                 </m:r>
                                 <m:r>
                                   <m:rPr>
@@ -4443,6 +4460,7 @@
                           <a:endParaRPr lang="fr-FR" dirty="0"/>
                         </a:p>
                         <a:p>
+                          <a:pPr/>
                           <a14:m>
                             <m:oMathPara xmlns:m="http://schemas.openxmlformats.org/officeDocument/2006/math">
                               <m:oMathParaPr>
@@ -4453,7 +4471,7 @@
                                   <a:rPr lang="fr-FR" b="0" i="1" smtClean="0">
                                     <a:latin typeface="Cambria Math" panose="02040503050406030204" pitchFamily="18" charset="0"/>
                                   </a:rPr>
-                                  <m:t>−180°</m:t>
+                                  <m:t>0°</m:t>
                                 </m:r>
                               </m:oMath>
                             </m:oMathPara>
@@ -4484,7 +4502,7 @@
             </a:graphic>
           </p:graphicFrame>
         </mc:Choice>
-        <mc:Fallback>
+        <mc:Fallback xmlns="">
           <p:graphicFrame>
             <p:nvGraphicFramePr>
               <p:cNvPr id="4" name="Tableau 4">
@@ -4500,7 +4518,7 @@
               <p:nvPr>
                 <p:extLst>
                   <p:ext uri="{D42A27DB-BD31-4B8C-83A1-F6EECF244321}">
-                    <p14:modId xmlns:p14="http://schemas.microsoft.com/office/powerpoint/2010/main" val="2269548902"/>
+                    <p14:modId xmlns:p14="http://schemas.microsoft.com/office/powerpoint/2010/main" val="1290803310"/>
                   </p:ext>
                 </p:extLst>
               </p:nvPr>
@@ -4870,8 +4888,8 @@
           </p:graphicFrame>
         </mc:Fallback>
       </mc:AlternateContent>
-      <mc:AlternateContent xmlns:mc="http://schemas.openxmlformats.org/markup-compatibility/2006">
-        <mc:Choice xmlns:a14="http://schemas.microsoft.com/office/drawing/2010/main" Requires="a14">
+      <mc:AlternateContent xmlns:mc="http://schemas.openxmlformats.org/markup-compatibility/2006" xmlns:a14="http://schemas.microsoft.com/office/drawing/2010/main">
+        <mc:Choice Requires="a14">
           <p:sp>
             <p:nvSpPr>
               <p:cNvPr id="5" name="Rectangle 4">
@@ -4991,7 +5009,7 @@
             </p:txBody>
           </p:sp>
         </mc:Choice>
-        <mc:Fallback>
+        <mc:Fallback xmlns="">
           <p:sp>
             <p:nvSpPr>
               <p:cNvPr id="5" name="Rectangle 4">
@@ -5069,60 +5087,1333 @@
           <a:chExt cx="0" cy="0"/>
         </a:xfrm>
       </p:grpSpPr>
-      <p:sp>
-        <p:nvSpPr>
-          <p:cNvPr id="2" name="Titre 1">
-            <a:extLst>
-              <a:ext uri="{FF2B5EF4-FFF2-40B4-BE49-F238E27FC236}">
-                <a16:creationId xmlns:a16="http://schemas.microsoft.com/office/drawing/2014/main" id="{6B17ED12-FB07-9080-3405-22AB91D801A7}"/>
-              </a:ext>
-            </a:extLst>
-          </p:cNvPr>
-          <p:cNvSpPr>
-            <a:spLocks noGrp="1"/>
-          </p:cNvSpPr>
-          <p:nvPr>
-            <p:ph type="title"/>
-          </p:nvPr>
-        </p:nvSpPr>
-        <p:spPr/>
-        <p:txBody>
-          <a:bodyPr/>
-          <a:lstStyle/>
-          <a:p>
-            <a:endParaRPr lang="fr-FR"/>
-          </a:p>
-        </p:txBody>
-      </p:sp>
-      <p:sp>
-        <p:nvSpPr>
-          <p:cNvPr id="3" name="Espace réservé du contenu 2">
-            <a:extLst>
-              <a:ext uri="{FF2B5EF4-FFF2-40B4-BE49-F238E27FC236}">
-                <a16:creationId xmlns:a16="http://schemas.microsoft.com/office/drawing/2014/main" id="{51E1B9AB-0945-894F-0AD3-61FACA1A92DB}"/>
-              </a:ext>
-            </a:extLst>
-          </p:cNvPr>
-          <p:cNvSpPr>
-            <a:spLocks noGrp="1"/>
-          </p:cNvSpPr>
-          <p:nvPr>
-            <p:ph idx="1"/>
-          </p:nvPr>
-        </p:nvSpPr>
-        <p:spPr/>
-        <p:txBody>
-          <a:bodyPr/>
-          <a:lstStyle/>
-          <a:p>
-            <a:endParaRPr lang="fr-FR"/>
-          </a:p>
-        </p:txBody>
-      </p:sp>
+      <p:pic>
+        <p:nvPicPr>
+          <p:cNvPr id="5" name="Image 4">
+            <a:extLst>
+              <a:ext uri="{FF2B5EF4-FFF2-40B4-BE49-F238E27FC236}">
+                <a16:creationId xmlns:a16="http://schemas.microsoft.com/office/drawing/2014/main" id="{1819E917-463E-89DD-4DBF-9443213AC992}"/>
+              </a:ext>
+            </a:extLst>
+          </p:cNvPr>
+          <p:cNvPicPr>
+            <a:picLocks noChangeAspect="1"/>
+          </p:cNvPicPr>
+          <p:nvPr/>
+        </p:nvPicPr>
+        <p:blipFill>
+          <a:blip r:embed="rId2">
+            <a:extLst>
+              <a:ext uri="{28A0092B-C50C-407E-A947-70E740481C1C}">
+                <a14:useLocalDpi xmlns:a14="http://schemas.microsoft.com/office/drawing/2010/main" val="0"/>
+              </a:ext>
+            </a:extLst>
+          </a:blip>
+          <a:stretch>
+            <a:fillRect/>
+          </a:stretch>
+        </p:blipFill>
+        <p:spPr>
+          <a:xfrm>
+            <a:off x="1880607" y="82289"/>
+            <a:ext cx="8430785" cy="6693421"/>
+          </a:xfrm>
+          <a:prstGeom prst="rect">
+            <a:avLst/>
+          </a:prstGeom>
+        </p:spPr>
+      </p:pic>
+      <mc:AlternateContent xmlns:mc="http://schemas.openxmlformats.org/markup-compatibility/2006" xmlns:a14="http://schemas.microsoft.com/office/drawing/2010/main">
+        <mc:Choice Requires="a14">
+          <p:sp>
+            <p:nvSpPr>
+              <p:cNvPr id="6" name="ZoneTexte 5">
+                <a:extLst>
+                  <a:ext uri="{FF2B5EF4-FFF2-40B4-BE49-F238E27FC236}">
+                    <a16:creationId xmlns:a16="http://schemas.microsoft.com/office/drawing/2014/main" id="{86049A8B-44F0-4B10-A46A-74A7C69F0009}"/>
+                  </a:ext>
+                </a:extLst>
+              </p:cNvPr>
+              <p:cNvSpPr txBox="1"/>
+              <p:nvPr/>
+            </p:nvSpPr>
+            <p:spPr>
+              <a:xfrm>
+                <a:off x="3015343" y="1360714"/>
+                <a:ext cx="1670394" cy="276999"/>
+              </a:xfrm>
+              <a:prstGeom prst="rect">
+                <a:avLst/>
+              </a:prstGeom>
+              <a:noFill/>
+            </p:spPr>
+            <p:txBody>
+              <a:bodyPr wrap="none" lIns="0" tIns="0" rIns="0" bIns="0" rtlCol="0">
+                <a:spAutoFit/>
+              </a:bodyPr>
+              <a:lstStyle/>
+              <a:p>
+                <a:pPr/>
+                <a14:m>
+                  <m:oMathPara xmlns:m="http://schemas.openxmlformats.org/officeDocument/2006/math">
+                    <m:oMathParaPr>
+                      <m:jc m:val="centerGroup"/>
+                    </m:oMathParaPr>
+                    <m:oMath xmlns:m="http://schemas.openxmlformats.org/officeDocument/2006/math">
+                      <m:r>
+                        <a:rPr lang="fr-FR" b="0" i="0" smtClean="0">
+                          <a:latin typeface="Cambria Math" panose="02040503050406030204" pitchFamily="18" charset="0"/>
+                        </a:rPr>
+                        <m:t>−20 </m:t>
+                      </m:r>
+                      <m:r>
+                        <m:rPr>
+                          <m:sty m:val="p"/>
+                        </m:rPr>
+                        <a:rPr lang="fr-FR" b="0" i="0" smtClean="0">
+                          <a:latin typeface="Cambria Math" panose="02040503050406030204" pitchFamily="18" charset="0"/>
+                        </a:rPr>
+                        <m:t>dB</m:t>
+                      </m:r>
+                      <m:r>
+                        <m:rPr>
+                          <m:lit/>
+                        </m:rPr>
+                        <a:rPr lang="fr-FR" b="0" i="0" smtClean="0">
+                          <a:latin typeface="Cambria Math" panose="02040503050406030204" pitchFamily="18" charset="0"/>
+                        </a:rPr>
+                        <m:t>/</m:t>
+                      </m:r>
+                      <m:r>
+                        <m:rPr>
+                          <m:sty m:val="p"/>
+                        </m:rPr>
+                        <a:rPr lang="fr-FR" b="0" i="0" smtClean="0">
+                          <a:latin typeface="Cambria Math" panose="02040503050406030204" pitchFamily="18" charset="0"/>
+                        </a:rPr>
+                        <m:t>d</m:t>
+                      </m:r>
+                      <m:r>
+                        <a:rPr lang="fr-FR" b="0" i="0" smtClean="0">
+                          <a:latin typeface="Cambria Math" panose="02040503050406030204" pitchFamily="18" charset="0"/>
+                        </a:rPr>
+                        <m:t>é</m:t>
+                      </m:r>
+                      <m:r>
+                        <m:rPr>
+                          <m:sty m:val="p"/>
+                        </m:rPr>
+                        <a:rPr lang="fr-FR" b="0" i="0" smtClean="0">
+                          <a:latin typeface="Cambria Math" panose="02040503050406030204" pitchFamily="18" charset="0"/>
+                        </a:rPr>
+                        <m:t>cade</m:t>
+                      </m:r>
+                    </m:oMath>
+                  </m:oMathPara>
+                </a14:m>
+                <a:endParaRPr lang="fr-FR" dirty="0"/>
+              </a:p>
+            </p:txBody>
+          </p:sp>
+        </mc:Choice>
+        <mc:Fallback xmlns="">
+          <p:sp>
+            <p:nvSpPr>
+              <p:cNvPr id="6" name="ZoneTexte 5">
+                <a:extLst>
+                  <a:ext uri="{FF2B5EF4-FFF2-40B4-BE49-F238E27FC236}">
+                    <a16:creationId xmlns:a16="http://schemas.microsoft.com/office/drawing/2014/main" id="{86049A8B-44F0-4B10-A46A-74A7C69F0009}"/>
+                  </a:ext>
+                </a:extLst>
+              </p:cNvPr>
+              <p:cNvSpPr txBox="1">
+                <a:spLocks noRot="1" noChangeAspect="1" noMove="1" noResize="1" noEditPoints="1" noAdjustHandles="1" noChangeArrowheads="1" noChangeShapeType="1" noTextEdit="1"/>
+              </p:cNvSpPr>
+              <p:nvPr/>
+            </p:nvSpPr>
+            <p:spPr>
+              <a:xfrm>
+                <a:off x="3015343" y="1360714"/>
+                <a:ext cx="1670394" cy="276999"/>
+              </a:xfrm>
+              <a:prstGeom prst="rect">
+                <a:avLst/>
+              </a:prstGeom>
+              <a:blipFill>
+                <a:blip r:embed="rId3"/>
+                <a:stretch>
+                  <a:fillRect t="-2174" r="-1825" b="-32609"/>
+                </a:stretch>
+              </a:blipFill>
+            </p:spPr>
+            <p:txBody>
+              <a:bodyPr/>
+              <a:lstStyle/>
+              <a:p>
+                <a:r>
+                  <a:rPr lang="fr-FR">
+                    <a:noFill/>
+                  </a:rPr>
+                  <a:t> </a:t>
+                </a:r>
+              </a:p>
+            </p:txBody>
+          </p:sp>
+        </mc:Fallback>
+      </mc:AlternateContent>
+      <p:cxnSp>
+        <p:nvCxnSpPr>
+          <p:cNvPr id="8" name="Connecteur droit 7">
+            <a:extLst>
+              <a:ext uri="{FF2B5EF4-FFF2-40B4-BE49-F238E27FC236}">
+                <a16:creationId xmlns:a16="http://schemas.microsoft.com/office/drawing/2014/main" id="{0A9C07C2-8035-1E01-3A7F-C3F6A33B29EA}"/>
+              </a:ext>
+            </a:extLst>
+          </p:cNvPr>
+          <p:cNvCxnSpPr/>
+          <p:nvPr/>
+        </p:nvCxnSpPr>
+        <p:spPr>
+          <a:xfrm>
+            <a:off x="2373086" y="446314"/>
+            <a:ext cx="6411685" cy="2699657"/>
+          </a:xfrm>
+          <a:prstGeom prst="line">
+            <a:avLst/>
+          </a:prstGeom>
+          <a:ln w="19050">
+            <a:solidFill>
+              <a:srgbClr val="FF0000"/>
+            </a:solidFill>
+            <a:prstDash val="sysDash"/>
+          </a:ln>
+        </p:spPr>
+        <p:style>
+          <a:lnRef idx="1">
+            <a:schemeClr val="accent1"/>
+          </a:lnRef>
+          <a:fillRef idx="0">
+            <a:schemeClr val="accent1"/>
+          </a:fillRef>
+          <a:effectRef idx="0">
+            <a:schemeClr val="accent1"/>
+          </a:effectRef>
+          <a:fontRef idx="minor">
+            <a:schemeClr val="tx1"/>
+          </a:fontRef>
+        </p:style>
+      </p:cxnSp>
+      <mc:AlternateContent xmlns:mc="http://schemas.openxmlformats.org/markup-compatibility/2006" xmlns:a14="http://schemas.microsoft.com/office/drawing/2010/main">
+        <mc:Choice Requires="a14">
+          <p:sp>
+            <p:nvSpPr>
+              <p:cNvPr id="9" name="ZoneTexte 8">
+                <a:extLst>
+                  <a:ext uri="{FF2B5EF4-FFF2-40B4-BE49-F238E27FC236}">
+                    <a16:creationId xmlns:a16="http://schemas.microsoft.com/office/drawing/2014/main" id="{CC7DA709-F8AE-1AE1-ACA9-17F30E69F7E7}"/>
+                  </a:ext>
+                </a:extLst>
+              </p:cNvPr>
+              <p:cNvSpPr txBox="1"/>
+              <p:nvPr/>
+            </p:nvSpPr>
+            <p:spPr>
+              <a:xfrm>
+                <a:off x="8148520" y="2144485"/>
+                <a:ext cx="1258358" cy="276999"/>
+              </a:xfrm>
+              <a:prstGeom prst="rect">
+                <a:avLst/>
+              </a:prstGeom>
+              <a:noFill/>
+            </p:spPr>
+            <p:txBody>
+              <a:bodyPr wrap="none" lIns="0" tIns="0" rIns="0" bIns="0" rtlCol="0">
+                <a:spAutoFit/>
+              </a:bodyPr>
+              <a:lstStyle/>
+              <a:p>
+                <a:pPr/>
+                <a14:m>
+                  <m:oMathPara xmlns:m="http://schemas.openxmlformats.org/officeDocument/2006/math">
+                    <m:oMathParaPr>
+                      <m:jc m:val="centerGroup"/>
+                    </m:oMathParaPr>
+                    <m:oMath xmlns:m="http://schemas.openxmlformats.org/officeDocument/2006/math">
+                      <m:r>
+                        <a:rPr lang="fr-FR" b="0" i="0" smtClean="0">
+                          <a:latin typeface="Cambria Math" panose="02040503050406030204" pitchFamily="18" charset="0"/>
+                        </a:rPr>
+                        <m:t>0</m:t>
+                      </m:r>
+                      <m:r>
+                        <m:rPr>
+                          <m:sty m:val="p"/>
+                        </m:rPr>
+                        <a:rPr lang="fr-FR" b="0" i="0" smtClean="0">
+                          <a:latin typeface="Cambria Math" panose="02040503050406030204" pitchFamily="18" charset="0"/>
+                        </a:rPr>
+                        <m:t>dB</m:t>
+                      </m:r>
+                      <m:r>
+                        <m:rPr>
+                          <m:lit/>
+                        </m:rPr>
+                        <a:rPr lang="fr-FR" b="0" i="0" smtClean="0">
+                          <a:latin typeface="Cambria Math" panose="02040503050406030204" pitchFamily="18" charset="0"/>
+                        </a:rPr>
+                        <m:t>/</m:t>
+                      </m:r>
+                      <m:r>
+                        <m:rPr>
+                          <m:sty m:val="p"/>
+                        </m:rPr>
+                        <a:rPr lang="fr-FR" b="0" i="0" smtClean="0">
+                          <a:latin typeface="Cambria Math" panose="02040503050406030204" pitchFamily="18" charset="0"/>
+                        </a:rPr>
+                        <m:t>d</m:t>
+                      </m:r>
+                      <m:r>
+                        <a:rPr lang="fr-FR" b="0" i="0" smtClean="0">
+                          <a:latin typeface="Cambria Math" panose="02040503050406030204" pitchFamily="18" charset="0"/>
+                        </a:rPr>
+                        <m:t>é</m:t>
+                      </m:r>
+                      <m:r>
+                        <m:rPr>
+                          <m:sty m:val="p"/>
+                        </m:rPr>
+                        <a:rPr lang="fr-FR" b="0" i="0" smtClean="0">
+                          <a:latin typeface="Cambria Math" panose="02040503050406030204" pitchFamily="18" charset="0"/>
+                        </a:rPr>
+                        <m:t>cade</m:t>
+                      </m:r>
+                    </m:oMath>
+                  </m:oMathPara>
+                </a14:m>
+                <a:endParaRPr lang="fr-FR" dirty="0"/>
+              </a:p>
+            </p:txBody>
+          </p:sp>
+        </mc:Choice>
+        <mc:Fallback xmlns="">
+          <p:sp>
+            <p:nvSpPr>
+              <p:cNvPr id="9" name="ZoneTexte 8">
+                <a:extLst>
+                  <a:ext uri="{FF2B5EF4-FFF2-40B4-BE49-F238E27FC236}">
+                    <a16:creationId xmlns:a16="http://schemas.microsoft.com/office/drawing/2014/main" id="{CC7DA709-F8AE-1AE1-ACA9-17F30E69F7E7}"/>
+                  </a:ext>
+                </a:extLst>
+              </p:cNvPr>
+              <p:cNvSpPr txBox="1">
+                <a:spLocks noRot="1" noChangeAspect="1" noMove="1" noResize="1" noEditPoints="1" noAdjustHandles="1" noChangeArrowheads="1" noChangeShapeType="1" noTextEdit="1"/>
+              </p:cNvSpPr>
+              <p:nvPr/>
+            </p:nvSpPr>
+            <p:spPr>
+              <a:xfrm>
+                <a:off x="8148520" y="2144485"/>
+                <a:ext cx="1258358" cy="276999"/>
+              </a:xfrm>
+              <a:prstGeom prst="rect">
+                <a:avLst/>
+              </a:prstGeom>
+              <a:blipFill>
+                <a:blip r:embed="rId4"/>
+                <a:stretch>
+                  <a:fillRect l="-4369" t="-2222" r="-4854" b="-35556"/>
+                </a:stretch>
+              </a:blipFill>
+            </p:spPr>
+            <p:txBody>
+              <a:bodyPr/>
+              <a:lstStyle/>
+              <a:p>
+                <a:r>
+                  <a:rPr lang="fr-FR">
+                    <a:noFill/>
+                  </a:rPr>
+                  <a:t> </a:t>
+                </a:r>
+              </a:p>
+            </p:txBody>
+          </p:sp>
+        </mc:Fallback>
+      </mc:AlternateContent>
+      <mc:AlternateContent xmlns:mc="http://schemas.openxmlformats.org/markup-compatibility/2006" xmlns:a14="http://schemas.microsoft.com/office/drawing/2010/main">
+        <mc:Choice Requires="a14">
+          <p:sp>
+            <p:nvSpPr>
+              <p:cNvPr id="10" name="ZoneTexte 9">
+                <a:extLst>
+                  <a:ext uri="{FF2B5EF4-FFF2-40B4-BE49-F238E27FC236}">
+                    <a16:creationId xmlns:a16="http://schemas.microsoft.com/office/drawing/2014/main" id="{F6356295-BC25-8A60-9A3D-F6EA317E7093}"/>
+                  </a:ext>
+                </a:extLst>
+              </p:cNvPr>
+              <p:cNvSpPr txBox="1"/>
+              <p:nvPr/>
+            </p:nvSpPr>
+            <p:spPr>
+              <a:xfrm>
+                <a:off x="8560556" y="2785509"/>
+                <a:ext cx="270972" cy="276999"/>
+              </a:xfrm>
+              <a:prstGeom prst="rect">
+                <a:avLst/>
+              </a:prstGeom>
+              <a:noFill/>
+            </p:spPr>
+            <p:txBody>
+              <a:bodyPr wrap="none" lIns="0" tIns="0" rIns="0" bIns="0" rtlCol="0">
+                <a:spAutoFit/>
+              </a:bodyPr>
+              <a:lstStyle/>
+              <a:p>
+                <a:pPr/>
+                <a14:m>
+                  <m:oMathPara xmlns:m="http://schemas.openxmlformats.org/officeDocument/2006/math">
+                    <m:oMathParaPr>
+                      <m:jc m:val="centerGroup"/>
+                    </m:oMathParaPr>
+                    <m:oMath xmlns:m="http://schemas.openxmlformats.org/officeDocument/2006/math">
+                      <m:sSub>
+                        <m:sSubPr>
+                          <m:ctrlPr>
+                            <a:rPr lang="fr-FR" b="0" i="1" smtClean="0">
+                              <a:latin typeface="Cambria Math" panose="02040503050406030204" pitchFamily="18" charset="0"/>
+                            </a:rPr>
+                          </m:ctrlPr>
+                        </m:sSubPr>
+                        <m:e>
+                          <m:r>
+                            <a:rPr lang="fr-FR" b="0" i="1" smtClean="0">
+                              <a:latin typeface="Cambria Math" panose="02040503050406030204" pitchFamily="18" charset="0"/>
+                            </a:rPr>
+                            <m:t>𝐾</m:t>
+                          </m:r>
+                        </m:e>
+                        <m:sub>
+                          <m:r>
+                            <a:rPr lang="fr-FR" b="0" i="1" smtClean="0">
+                              <a:latin typeface="Cambria Math" panose="02040503050406030204" pitchFamily="18" charset="0"/>
+                            </a:rPr>
+                            <m:t>𝑖</m:t>
+                          </m:r>
+                        </m:sub>
+                      </m:sSub>
+                    </m:oMath>
+                  </m:oMathPara>
+                </a14:m>
+                <a:endParaRPr lang="fr-FR" dirty="0"/>
+              </a:p>
+            </p:txBody>
+          </p:sp>
+        </mc:Choice>
+        <mc:Fallback xmlns="">
+          <p:sp>
+            <p:nvSpPr>
+              <p:cNvPr id="10" name="ZoneTexte 9">
+                <a:extLst>
+                  <a:ext uri="{FF2B5EF4-FFF2-40B4-BE49-F238E27FC236}">
+                    <a16:creationId xmlns:a16="http://schemas.microsoft.com/office/drawing/2014/main" id="{F6356295-BC25-8A60-9A3D-F6EA317E7093}"/>
+                  </a:ext>
+                </a:extLst>
+              </p:cNvPr>
+              <p:cNvSpPr txBox="1">
+                <a:spLocks noRot="1" noChangeAspect="1" noMove="1" noResize="1" noEditPoints="1" noAdjustHandles="1" noChangeArrowheads="1" noChangeShapeType="1" noTextEdit="1"/>
+              </p:cNvSpPr>
+              <p:nvPr/>
+            </p:nvSpPr>
+            <p:spPr>
+              <a:xfrm>
+                <a:off x="8560556" y="2785509"/>
+                <a:ext cx="270972" cy="276999"/>
+              </a:xfrm>
+              <a:prstGeom prst="rect">
+                <a:avLst/>
+              </a:prstGeom>
+              <a:blipFill>
+                <a:blip r:embed="rId5"/>
+                <a:stretch>
+                  <a:fillRect l="-20000" r="-8889" b="-17778"/>
+                </a:stretch>
+              </a:blipFill>
+            </p:spPr>
+            <p:txBody>
+              <a:bodyPr/>
+              <a:lstStyle/>
+              <a:p>
+                <a:r>
+                  <a:rPr lang="fr-FR">
+                    <a:noFill/>
+                  </a:rPr>
+                  <a:t> </a:t>
+                </a:r>
+              </a:p>
+            </p:txBody>
+          </p:sp>
+        </mc:Fallback>
+      </mc:AlternateContent>
+      <p:cxnSp>
+        <p:nvCxnSpPr>
+          <p:cNvPr id="11" name="Connecteur droit 10">
+            <a:extLst>
+              <a:ext uri="{FF2B5EF4-FFF2-40B4-BE49-F238E27FC236}">
+                <a16:creationId xmlns:a16="http://schemas.microsoft.com/office/drawing/2014/main" id="{6C025323-6F5C-6540-85F1-1F5869E8263E}"/>
+              </a:ext>
+            </a:extLst>
+          </p:cNvPr>
+          <p:cNvCxnSpPr>
+            <a:cxnSpLocks/>
+          </p:cNvCxnSpPr>
+          <p:nvPr/>
+        </p:nvCxnSpPr>
+        <p:spPr>
+          <a:xfrm>
+            <a:off x="6302828" y="2144485"/>
+            <a:ext cx="0" cy="4125686"/>
+          </a:xfrm>
+          <a:prstGeom prst="line">
+            <a:avLst/>
+          </a:prstGeom>
+          <a:ln w="19050">
+            <a:solidFill>
+              <a:srgbClr val="FF0000"/>
+            </a:solidFill>
+            <a:prstDash val="sysDash"/>
+          </a:ln>
+        </p:spPr>
+        <p:style>
+          <a:lnRef idx="1">
+            <a:schemeClr val="accent1"/>
+          </a:lnRef>
+          <a:fillRef idx="0">
+            <a:schemeClr val="accent1"/>
+          </a:fillRef>
+          <a:effectRef idx="0">
+            <a:schemeClr val="accent1"/>
+          </a:effectRef>
+          <a:fontRef idx="minor">
+            <a:schemeClr val="tx1"/>
+          </a:fontRef>
+        </p:style>
+      </p:cxnSp>
+      <mc:AlternateContent xmlns:mc="http://schemas.openxmlformats.org/markup-compatibility/2006" xmlns:a14="http://schemas.microsoft.com/office/drawing/2010/main">
+        <mc:Choice Requires="a14">
+          <p:sp>
+            <p:nvSpPr>
+              <p:cNvPr id="18" name="ZoneTexte 17">
+                <a:extLst>
+                  <a:ext uri="{FF2B5EF4-FFF2-40B4-BE49-F238E27FC236}">
+                    <a16:creationId xmlns:a16="http://schemas.microsoft.com/office/drawing/2014/main" id="{143CF4EB-A6F7-9924-35CE-800C71C949B9}"/>
+                  </a:ext>
+                </a:extLst>
+              </p:cNvPr>
+              <p:cNvSpPr txBox="1"/>
+              <p:nvPr/>
+            </p:nvSpPr>
+            <p:spPr>
+              <a:xfrm>
+                <a:off x="5939129" y="2466704"/>
+                <a:ext cx="313739" cy="595804"/>
+              </a:xfrm>
+              <a:prstGeom prst="rect">
+                <a:avLst/>
+              </a:prstGeom>
+              <a:noFill/>
+            </p:spPr>
+            <p:txBody>
+              <a:bodyPr wrap="none" lIns="0" tIns="0" rIns="0" bIns="0" rtlCol="0">
+                <a:spAutoFit/>
+              </a:bodyPr>
+              <a:lstStyle/>
+              <a:p>
+                <a:pPr/>
+                <a14:m>
+                  <m:oMathPara xmlns:m="http://schemas.openxmlformats.org/officeDocument/2006/math">
+                    <m:oMathParaPr>
+                      <m:jc m:val="centerGroup"/>
+                    </m:oMathParaPr>
+                    <m:oMath xmlns:m="http://schemas.openxmlformats.org/officeDocument/2006/math">
+                      <m:f>
+                        <m:fPr>
+                          <m:ctrlPr>
+                            <a:rPr lang="fr-FR" b="0" i="1" smtClean="0">
+                              <a:latin typeface="Cambria Math" panose="02040503050406030204" pitchFamily="18" charset="0"/>
+                            </a:rPr>
+                          </m:ctrlPr>
+                        </m:fPr>
+                        <m:num>
+                          <m:sSub>
+                            <m:sSubPr>
+                              <m:ctrlPr>
+                                <a:rPr lang="fr-FR" b="0" i="1" smtClean="0">
+                                  <a:latin typeface="Cambria Math" panose="02040503050406030204" pitchFamily="18" charset="0"/>
+                                </a:rPr>
+                              </m:ctrlPr>
+                            </m:sSubPr>
+                            <m:e>
+                              <m:r>
+                                <a:rPr lang="fr-FR" b="0" i="1" smtClean="0">
+                                  <a:latin typeface="Cambria Math" panose="02040503050406030204" pitchFamily="18" charset="0"/>
+                                </a:rPr>
+                                <m:t>𝐾</m:t>
+                              </m:r>
+                            </m:e>
+                            <m:sub>
+                              <m:r>
+                                <a:rPr lang="fr-FR" b="0" i="1" smtClean="0">
+                                  <a:latin typeface="Cambria Math" panose="02040503050406030204" pitchFamily="18" charset="0"/>
+                                </a:rPr>
+                                <m:t>𝑖</m:t>
+                              </m:r>
+                            </m:sub>
+                          </m:sSub>
+                        </m:num>
+                        <m:den>
+                          <m:sSub>
+                            <m:sSubPr>
+                              <m:ctrlPr>
+                                <a:rPr lang="fr-FR" b="0" i="1" smtClean="0">
+                                  <a:latin typeface="Cambria Math" panose="02040503050406030204" pitchFamily="18" charset="0"/>
+                                </a:rPr>
+                              </m:ctrlPr>
+                            </m:sSubPr>
+                            <m:e>
+                              <m:r>
+                                <a:rPr lang="fr-FR" b="0" i="1" smtClean="0">
+                                  <a:latin typeface="Cambria Math" panose="02040503050406030204" pitchFamily="18" charset="0"/>
+                                </a:rPr>
+                                <m:t>𝐾</m:t>
+                              </m:r>
+                            </m:e>
+                            <m:sub>
+                              <m:r>
+                                <a:rPr lang="fr-FR" b="0" i="1" smtClean="0">
+                                  <a:latin typeface="Cambria Math" panose="02040503050406030204" pitchFamily="18" charset="0"/>
+                                </a:rPr>
+                                <m:t>𝑝</m:t>
+                              </m:r>
+                            </m:sub>
+                          </m:sSub>
+                        </m:den>
+                      </m:f>
+                    </m:oMath>
+                  </m:oMathPara>
+                </a14:m>
+                <a:endParaRPr lang="fr-FR" dirty="0"/>
+              </a:p>
+            </p:txBody>
+          </p:sp>
+        </mc:Choice>
+        <mc:Fallback xmlns="">
+          <p:sp>
+            <p:nvSpPr>
+              <p:cNvPr id="18" name="ZoneTexte 17">
+                <a:extLst>
+                  <a:ext uri="{FF2B5EF4-FFF2-40B4-BE49-F238E27FC236}">
+                    <a16:creationId xmlns:a16="http://schemas.microsoft.com/office/drawing/2014/main" id="{143CF4EB-A6F7-9924-35CE-800C71C949B9}"/>
+                  </a:ext>
+                </a:extLst>
+              </p:cNvPr>
+              <p:cNvSpPr txBox="1">
+                <a:spLocks noRot="1" noChangeAspect="1" noMove="1" noResize="1" noEditPoints="1" noAdjustHandles="1" noChangeArrowheads="1" noChangeShapeType="1" noTextEdit="1"/>
+              </p:cNvSpPr>
+              <p:nvPr/>
+            </p:nvSpPr>
+            <p:spPr>
+              <a:xfrm>
+                <a:off x="5939129" y="2466704"/>
+                <a:ext cx="313739" cy="595804"/>
+              </a:xfrm>
+              <a:prstGeom prst="rect">
+                <a:avLst/>
+              </a:prstGeom>
+              <a:blipFill>
+                <a:blip r:embed="rId6"/>
+                <a:stretch>
+                  <a:fillRect/>
+                </a:stretch>
+              </a:blipFill>
+            </p:spPr>
+            <p:txBody>
+              <a:bodyPr/>
+              <a:lstStyle/>
+              <a:p>
+                <a:r>
+                  <a:rPr lang="fr-FR">
+                    <a:noFill/>
+                  </a:rPr>
+                  <a:t> </a:t>
+                </a:r>
+              </a:p>
+            </p:txBody>
+          </p:sp>
+        </mc:Fallback>
+      </mc:AlternateContent>
     </p:spTree>
     <p:extLst>
       <p:ext uri="{BB962C8B-B14F-4D97-AF65-F5344CB8AC3E}">
         <p14:creationId xmlns:p14="http://schemas.microsoft.com/office/powerpoint/2010/main" val="2615035548"/>
+      </p:ext>
+    </p:extLst>
+  </p:cSld>
+  <p:clrMapOvr>
+    <a:masterClrMapping/>
+  </p:clrMapOvr>
+</p:sld>
+</file>
+
+<file path=ppt/slides/slide4.xml><?xml version="1.0" encoding="utf-8"?>
+<p:sld xmlns:a="http://schemas.openxmlformats.org/drawingml/2006/main" xmlns:r="http://schemas.openxmlformats.org/officeDocument/2006/relationships" xmlns:p="http://schemas.openxmlformats.org/presentationml/2006/main">
+  <p:cSld>
+    <p:spTree>
+      <p:nvGrpSpPr>
+        <p:cNvPr id="1" name=""/>
+        <p:cNvGrpSpPr/>
+        <p:nvPr/>
+      </p:nvGrpSpPr>
+      <p:grpSpPr>
+        <a:xfrm>
+          <a:off x="0" y="0"/>
+          <a:ext cx="0" cy="0"/>
+          <a:chOff x="0" y="0"/>
+          <a:chExt cx="0" cy="0"/>
+        </a:xfrm>
+      </p:grpSpPr>
+      <p:pic>
+        <p:nvPicPr>
+          <p:cNvPr id="5" name="Image 4">
+            <a:extLst>
+              <a:ext uri="{FF2B5EF4-FFF2-40B4-BE49-F238E27FC236}">
+                <a16:creationId xmlns:a16="http://schemas.microsoft.com/office/drawing/2014/main" id="{51DAB993-705E-FDC0-C058-162DCD2476D5}"/>
+              </a:ext>
+            </a:extLst>
+          </p:cNvPr>
+          <p:cNvPicPr>
+            <a:picLocks noChangeAspect="1"/>
+          </p:cNvPicPr>
+          <p:nvPr/>
+        </p:nvPicPr>
+        <p:blipFill>
+          <a:blip r:embed="rId2">
+            <a:extLst>
+              <a:ext uri="{28A0092B-C50C-407E-A947-70E740481C1C}">
+                <a14:useLocalDpi xmlns:a14="http://schemas.microsoft.com/office/drawing/2010/main" val="0"/>
+              </a:ext>
+            </a:extLst>
+          </a:blip>
+          <a:stretch>
+            <a:fillRect/>
+          </a:stretch>
+        </p:blipFill>
+        <p:spPr>
+          <a:xfrm>
+            <a:off x="130630" y="12614"/>
+            <a:ext cx="6553200" cy="6832772"/>
+          </a:xfrm>
+          <a:prstGeom prst="rect">
+            <a:avLst/>
+          </a:prstGeom>
+        </p:spPr>
+      </p:pic>
+      <p:cxnSp>
+        <p:nvCxnSpPr>
+          <p:cNvPr id="6" name="Connecteur droit 5">
+            <a:extLst>
+              <a:ext uri="{FF2B5EF4-FFF2-40B4-BE49-F238E27FC236}">
+                <a16:creationId xmlns:a16="http://schemas.microsoft.com/office/drawing/2014/main" id="{BDF74556-B2D5-7A5D-DA3D-89519A2F7F68}"/>
+              </a:ext>
+            </a:extLst>
+          </p:cNvPr>
+          <p:cNvCxnSpPr>
+            <a:cxnSpLocks/>
+          </p:cNvCxnSpPr>
+          <p:nvPr/>
+        </p:nvCxnSpPr>
+        <p:spPr>
+          <a:xfrm>
+            <a:off x="3407230" y="1110342"/>
+            <a:ext cx="0" cy="5094515"/>
+          </a:xfrm>
+          <a:prstGeom prst="line">
+            <a:avLst/>
+          </a:prstGeom>
+          <a:ln w="19050">
+            <a:solidFill>
+              <a:srgbClr val="FF0000"/>
+            </a:solidFill>
+            <a:prstDash val="sysDash"/>
+          </a:ln>
+        </p:spPr>
+        <p:style>
+          <a:lnRef idx="1">
+            <a:schemeClr val="accent1"/>
+          </a:lnRef>
+          <a:fillRef idx="0">
+            <a:schemeClr val="accent1"/>
+          </a:fillRef>
+          <a:effectRef idx="0">
+            <a:schemeClr val="accent1"/>
+          </a:effectRef>
+          <a:fontRef idx="minor">
+            <a:schemeClr val="tx1"/>
+          </a:fontRef>
+        </p:style>
+      </p:cxnSp>
+      <p:cxnSp>
+        <p:nvCxnSpPr>
+          <p:cNvPr id="9" name="Connecteur droit avec flèche 8">
+            <a:extLst>
+              <a:ext uri="{FF2B5EF4-FFF2-40B4-BE49-F238E27FC236}">
+                <a16:creationId xmlns:a16="http://schemas.microsoft.com/office/drawing/2014/main" id="{17E19B40-B93D-FEF4-5114-EEA7C67454D1}"/>
+              </a:ext>
+            </a:extLst>
+          </p:cNvPr>
+          <p:cNvCxnSpPr/>
+          <p:nvPr/>
+        </p:nvCxnSpPr>
+        <p:spPr>
+          <a:xfrm flipV="1">
+            <a:off x="2993573" y="4016829"/>
+            <a:ext cx="0" cy="2242457"/>
+          </a:xfrm>
+          <a:prstGeom prst="straightConnector1">
+            <a:avLst/>
+          </a:prstGeom>
+          <a:ln w="19050">
+            <a:solidFill>
+              <a:srgbClr val="C00000"/>
+            </a:solidFill>
+            <a:tailEnd type="stealth" w="med" len="lg"/>
+          </a:ln>
+        </p:spPr>
+        <p:style>
+          <a:lnRef idx="1">
+            <a:schemeClr val="accent1"/>
+          </a:lnRef>
+          <a:fillRef idx="0">
+            <a:schemeClr val="accent1"/>
+          </a:fillRef>
+          <a:effectRef idx="0">
+            <a:schemeClr val="accent1"/>
+          </a:effectRef>
+          <a:fontRef idx="minor">
+            <a:schemeClr val="tx1"/>
+          </a:fontRef>
+        </p:style>
+      </p:cxnSp>
+      <mc:AlternateContent xmlns:mc="http://schemas.openxmlformats.org/markup-compatibility/2006" xmlns:a14="http://schemas.microsoft.com/office/drawing/2010/main">
+        <mc:Choice Requires="a14">
+          <p:sp>
+            <p:nvSpPr>
+              <p:cNvPr id="10" name="ZoneTexte 9">
+                <a:extLst>
+                  <a:ext uri="{FF2B5EF4-FFF2-40B4-BE49-F238E27FC236}">
+                    <a16:creationId xmlns:a16="http://schemas.microsoft.com/office/drawing/2014/main" id="{CC131E58-33F1-95E5-6DD2-4415AF50F911}"/>
+                  </a:ext>
+                </a:extLst>
+              </p:cNvPr>
+              <p:cNvSpPr txBox="1"/>
+              <p:nvPr/>
+            </p:nvSpPr>
+            <p:spPr>
+              <a:xfrm>
+                <a:off x="1865844" y="4960000"/>
+                <a:ext cx="1064330" cy="302006"/>
+              </a:xfrm>
+              <a:prstGeom prst="rect">
+                <a:avLst/>
+              </a:prstGeom>
+              <a:noFill/>
+            </p:spPr>
+            <p:txBody>
+              <a:bodyPr wrap="none" lIns="0" tIns="0" rIns="0" bIns="0" rtlCol="0">
+                <a:spAutoFit/>
+              </a:bodyPr>
+              <a:lstStyle/>
+              <a:p>
+                <a:pPr/>
+                <a14:m>
+                  <m:oMathPara xmlns:m="http://schemas.openxmlformats.org/officeDocument/2006/math">
+                    <m:oMathParaPr>
+                      <m:jc m:val="centerGroup"/>
+                    </m:oMathParaPr>
+                    <m:oMath xmlns:m="http://schemas.openxmlformats.org/officeDocument/2006/math">
+                      <m:sSub>
+                        <m:sSubPr>
+                          <m:ctrlPr>
+                            <a:rPr lang="fr-FR" b="1" i="1" smtClean="0">
+                              <a:latin typeface="Cambria Math" panose="02040503050406030204" pitchFamily="18" charset="0"/>
+                            </a:rPr>
+                          </m:ctrlPr>
+                        </m:sSubPr>
+                        <m:e>
+                          <m:r>
+                            <a:rPr lang="fr-FR" b="1" i="1" smtClean="0">
+                              <a:latin typeface="Cambria Math" panose="02040503050406030204" pitchFamily="18" charset="0"/>
+                            </a:rPr>
+                            <m:t>𝑴</m:t>
+                          </m:r>
+                        </m:e>
+                        <m:sub>
+                          <m:r>
+                            <a:rPr lang="fr-FR" b="1" i="1" smtClean="0">
+                              <a:latin typeface="Cambria Math" panose="02040503050406030204" pitchFamily="18" charset="0"/>
+                            </a:rPr>
+                            <m:t>𝝋</m:t>
+                          </m:r>
+                        </m:sub>
+                      </m:sSub>
+                      <m:r>
+                        <a:rPr lang="fr-FR" b="1" i="1" smtClean="0">
+                          <a:latin typeface="Cambria Math" panose="02040503050406030204" pitchFamily="18" charset="0"/>
+                        </a:rPr>
+                        <m:t>=</m:t>
+                      </m:r>
+                      <m:r>
+                        <a:rPr lang="fr-FR" b="1" i="1" smtClean="0">
+                          <a:latin typeface="Cambria Math" panose="02040503050406030204" pitchFamily="18" charset="0"/>
+                        </a:rPr>
+                        <m:t>𝟔𝟎</m:t>
+                      </m:r>
+                      <m:r>
+                        <a:rPr lang="fr-FR" b="1" i="1" smtClean="0">
+                          <a:latin typeface="Cambria Math" panose="02040503050406030204" pitchFamily="18" charset="0"/>
+                        </a:rPr>
+                        <m:t>°</m:t>
+                      </m:r>
+                    </m:oMath>
+                  </m:oMathPara>
+                </a14:m>
+                <a:endParaRPr lang="fr-FR" b="1" dirty="0"/>
+              </a:p>
+            </p:txBody>
+          </p:sp>
+        </mc:Choice>
+        <mc:Fallback xmlns="">
+          <p:sp>
+            <p:nvSpPr>
+              <p:cNvPr id="10" name="ZoneTexte 9">
+                <a:extLst>
+                  <a:ext uri="{FF2B5EF4-FFF2-40B4-BE49-F238E27FC236}">
+                    <a16:creationId xmlns:a16="http://schemas.microsoft.com/office/drawing/2014/main" id="{CC131E58-33F1-95E5-6DD2-4415AF50F911}"/>
+                  </a:ext>
+                </a:extLst>
+              </p:cNvPr>
+              <p:cNvSpPr txBox="1">
+                <a:spLocks noRot="1" noChangeAspect="1" noMove="1" noResize="1" noEditPoints="1" noAdjustHandles="1" noChangeArrowheads="1" noChangeShapeType="1" noTextEdit="1"/>
+              </p:cNvSpPr>
+              <p:nvPr/>
+            </p:nvSpPr>
+            <p:spPr>
+              <a:xfrm>
+                <a:off x="1865844" y="4960000"/>
+                <a:ext cx="1064330" cy="302006"/>
+              </a:xfrm>
+              <a:prstGeom prst="rect">
+                <a:avLst/>
+              </a:prstGeom>
+              <a:blipFill>
+                <a:blip r:embed="rId3"/>
+                <a:stretch>
+                  <a:fillRect l="-4571" r="-5143" b="-22449"/>
+                </a:stretch>
+              </a:blipFill>
+            </p:spPr>
+            <p:txBody>
+              <a:bodyPr/>
+              <a:lstStyle/>
+              <a:p>
+                <a:r>
+                  <a:rPr lang="fr-FR">
+                    <a:noFill/>
+                  </a:rPr>
+                  <a:t> </a:t>
+                </a:r>
+              </a:p>
+            </p:txBody>
+          </p:sp>
+        </mc:Fallback>
+      </mc:AlternateContent>
+      <p:cxnSp>
+        <p:nvCxnSpPr>
+          <p:cNvPr id="11" name="Connecteur droit 10">
+            <a:extLst>
+              <a:ext uri="{FF2B5EF4-FFF2-40B4-BE49-F238E27FC236}">
+                <a16:creationId xmlns:a16="http://schemas.microsoft.com/office/drawing/2014/main" id="{C8F95161-D5BD-99C8-6A15-2305253095F0}"/>
+              </a:ext>
+            </a:extLst>
+          </p:cNvPr>
+          <p:cNvCxnSpPr>
+            <a:cxnSpLocks/>
+          </p:cNvCxnSpPr>
+          <p:nvPr/>
+        </p:nvCxnSpPr>
+        <p:spPr>
+          <a:xfrm rot="5400000">
+            <a:off x="3407229" y="1469572"/>
+            <a:ext cx="0" cy="5094515"/>
+          </a:xfrm>
+          <a:prstGeom prst="line">
+            <a:avLst/>
+          </a:prstGeom>
+          <a:ln w="19050">
+            <a:solidFill>
+              <a:srgbClr val="FF0000"/>
+            </a:solidFill>
+            <a:prstDash val="sysDash"/>
+          </a:ln>
+        </p:spPr>
+        <p:style>
+          <a:lnRef idx="1">
+            <a:schemeClr val="accent1"/>
+          </a:lnRef>
+          <a:fillRef idx="0">
+            <a:schemeClr val="accent1"/>
+          </a:fillRef>
+          <a:effectRef idx="0">
+            <a:schemeClr val="accent1"/>
+          </a:effectRef>
+          <a:fontRef idx="minor">
+            <a:schemeClr val="tx1"/>
+          </a:fontRef>
+        </p:style>
+      </p:cxnSp>
+      <p:pic>
+        <p:nvPicPr>
+          <p:cNvPr id="13" name="Image 12">
+            <a:extLst>
+              <a:ext uri="{FF2B5EF4-FFF2-40B4-BE49-F238E27FC236}">
+                <a16:creationId xmlns:a16="http://schemas.microsoft.com/office/drawing/2014/main" id="{B080E3ED-E00E-97D7-CD3C-6E3CE92A531B}"/>
+              </a:ext>
+            </a:extLst>
+          </p:cNvPr>
+          <p:cNvPicPr>
+            <a:picLocks noChangeAspect="1"/>
+          </p:cNvPicPr>
+          <p:nvPr/>
+        </p:nvPicPr>
+        <p:blipFill>
+          <a:blip r:embed="rId4">
+            <a:extLst>
+              <a:ext uri="{28A0092B-C50C-407E-A947-70E740481C1C}">
+                <a14:useLocalDpi xmlns:a14="http://schemas.microsoft.com/office/drawing/2010/main" val="0"/>
+              </a:ext>
+            </a:extLst>
+          </a:blip>
+          <a:stretch>
+            <a:fillRect/>
+          </a:stretch>
+        </p:blipFill>
+        <p:spPr>
+          <a:xfrm>
+            <a:off x="6683828" y="1913896"/>
+            <a:ext cx="5505686" cy="3030208"/>
+          </a:xfrm>
+          <a:prstGeom prst="rect">
+            <a:avLst/>
+          </a:prstGeom>
+        </p:spPr>
+      </p:pic>
+      <p:cxnSp>
+        <p:nvCxnSpPr>
+          <p:cNvPr id="8" name="Connecteur droit 7">
+            <a:extLst>
+              <a:ext uri="{FF2B5EF4-FFF2-40B4-BE49-F238E27FC236}">
+                <a16:creationId xmlns:a16="http://schemas.microsoft.com/office/drawing/2014/main" id="{09214333-A0CD-FB0E-7EB6-9E978CE62362}"/>
+              </a:ext>
+            </a:extLst>
+          </p:cNvPr>
+          <p:cNvCxnSpPr>
+            <a:cxnSpLocks/>
+          </p:cNvCxnSpPr>
+          <p:nvPr/>
+        </p:nvCxnSpPr>
+        <p:spPr>
+          <a:xfrm flipH="1">
+            <a:off x="7522633" y="2276585"/>
+            <a:ext cx="4600429" cy="0"/>
+          </a:xfrm>
+          <a:prstGeom prst="line">
+            <a:avLst/>
+          </a:prstGeom>
+          <a:ln w="19050">
+            <a:solidFill>
+              <a:srgbClr val="FF0000"/>
+            </a:solidFill>
+            <a:prstDash val="sysDash"/>
+          </a:ln>
+        </p:spPr>
+        <p:style>
+          <a:lnRef idx="1">
+            <a:schemeClr val="accent1"/>
+          </a:lnRef>
+          <a:fillRef idx="0">
+            <a:schemeClr val="accent1"/>
+          </a:fillRef>
+          <a:effectRef idx="0">
+            <a:schemeClr val="accent1"/>
+          </a:effectRef>
+          <a:fontRef idx="minor">
+            <a:schemeClr val="tx1"/>
+          </a:fontRef>
+        </p:style>
+      </p:cxnSp>
+      <mc:AlternateContent xmlns:mc="http://schemas.openxmlformats.org/markup-compatibility/2006">
+        <mc:Choice xmlns:a14="http://schemas.microsoft.com/office/drawing/2010/main" Requires="a14">
+          <p:sp>
+            <p:nvSpPr>
+              <p:cNvPr id="14" name="ZoneTexte 13">
+                <a:extLst>
+                  <a:ext uri="{FF2B5EF4-FFF2-40B4-BE49-F238E27FC236}">
+                    <a16:creationId xmlns:a16="http://schemas.microsoft.com/office/drawing/2014/main" id="{1B6669B9-ED78-09B1-97FC-ABC3C9A15477}"/>
+                  </a:ext>
+                </a:extLst>
+              </p:cNvPr>
+              <p:cNvSpPr txBox="1"/>
+              <p:nvPr/>
+            </p:nvSpPr>
+            <p:spPr>
+              <a:xfrm>
+                <a:off x="6864249" y="2138085"/>
+                <a:ext cx="466474" cy="276999"/>
+              </a:xfrm>
+              <a:prstGeom prst="rect">
+                <a:avLst/>
+              </a:prstGeom>
+              <a:noFill/>
+            </p:spPr>
+            <p:txBody>
+              <a:bodyPr wrap="none" lIns="0" tIns="0" rIns="0" bIns="0" rtlCol="0">
+                <a:spAutoFit/>
+              </a:bodyPr>
+              <a:lstStyle/>
+              <a:p>
+                <a:pPr/>
+                <a14:m>
+                  <m:oMathPara xmlns:m="http://schemas.openxmlformats.org/officeDocument/2006/math">
+                    <m:oMathParaPr>
+                      <m:jc m:val="centerGroup"/>
+                    </m:oMathParaPr>
+                    <m:oMath xmlns:m="http://schemas.openxmlformats.org/officeDocument/2006/math">
+                      <m:r>
+                        <a:rPr lang="fr-FR" b="1" i="1" smtClean="0">
+                          <a:latin typeface="Cambria Math" panose="02040503050406030204" pitchFamily="18" charset="0"/>
+                        </a:rPr>
+                        <m:t>𝟕𝟔𝟎</m:t>
+                      </m:r>
+                    </m:oMath>
+                  </m:oMathPara>
+                </a14:m>
+                <a:endParaRPr lang="fr-FR" b="1" dirty="0"/>
+              </a:p>
+            </p:txBody>
+          </p:sp>
+        </mc:Choice>
+        <mc:Fallback>
+          <p:sp>
+            <p:nvSpPr>
+              <p:cNvPr id="14" name="ZoneTexte 13">
+                <a:extLst>
+                  <a:ext uri="{FF2B5EF4-FFF2-40B4-BE49-F238E27FC236}">
+                    <a16:creationId xmlns:a16="http://schemas.microsoft.com/office/drawing/2014/main" id="{1B6669B9-ED78-09B1-97FC-ABC3C9A15477}"/>
+                  </a:ext>
+                </a:extLst>
+              </p:cNvPr>
+              <p:cNvSpPr txBox="1">
+                <a:spLocks noRot="1" noChangeAspect="1" noMove="1" noResize="1" noEditPoints="1" noAdjustHandles="1" noChangeArrowheads="1" noChangeShapeType="1" noTextEdit="1"/>
+              </p:cNvSpPr>
+              <p:nvPr/>
+            </p:nvSpPr>
+            <p:spPr>
+              <a:xfrm>
+                <a:off x="6864249" y="2138085"/>
+                <a:ext cx="466474" cy="276999"/>
+              </a:xfrm>
+              <a:prstGeom prst="rect">
+                <a:avLst/>
+              </a:prstGeom>
+              <a:blipFill>
+                <a:blip r:embed="rId5"/>
+                <a:stretch>
+                  <a:fillRect l="-10390" r="-12987" b="-6667"/>
+                </a:stretch>
+              </a:blipFill>
+            </p:spPr>
+            <p:txBody>
+              <a:bodyPr/>
+              <a:lstStyle/>
+              <a:p>
+                <a:r>
+                  <a:rPr lang="fr-FR">
+                    <a:noFill/>
+                  </a:rPr>
+                  <a:t> </a:t>
+                </a:r>
+              </a:p>
+            </p:txBody>
+          </p:sp>
+        </mc:Fallback>
+      </mc:AlternateContent>
+      <p:cxnSp>
+        <p:nvCxnSpPr>
+          <p:cNvPr id="15" name="Connecteur droit avec flèche 14">
+            <a:extLst>
+              <a:ext uri="{FF2B5EF4-FFF2-40B4-BE49-F238E27FC236}">
+                <a16:creationId xmlns:a16="http://schemas.microsoft.com/office/drawing/2014/main" id="{CFA3A893-721C-1502-54A4-5D4A6A967E79}"/>
+              </a:ext>
+            </a:extLst>
+          </p:cNvPr>
+          <p:cNvCxnSpPr>
+            <a:cxnSpLocks/>
+          </p:cNvCxnSpPr>
+          <p:nvPr/>
+        </p:nvCxnSpPr>
+        <p:spPr>
+          <a:xfrm>
+            <a:off x="9189286" y="2276584"/>
+            <a:ext cx="0" cy="1929656"/>
+          </a:xfrm>
+          <a:prstGeom prst="straightConnector1">
+            <a:avLst/>
+          </a:prstGeom>
+          <a:ln w="19050">
+            <a:solidFill>
+              <a:srgbClr val="C00000"/>
+            </a:solidFill>
+            <a:tailEnd type="stealth" w="med" len="lg"/>
+          </a:ln>
+        </p:spPr>
+        <p:style>
+          <a:lnRef idx="1">
+            <a:schemeClr val="accent1"/>
+          </a:lnRef>
+          <a:fillRef idx="0">
+            <a:schemeClr val="accent1"/>
+          </a:fillRef>
+          <a:effectRef idx="0">
+            <a:schemeClr val="accent1"/>
+          </a:effectRef>
+          <a:fontRef idx="minor">
+            <a:schemeClr val="tx1"/>
+          </a:fontRef>
+        </p:style>
+      </p:cxnSp>
+      <mc:AlternateContent xmlns:mc="http://schemas.openxmlformats.org/markup-compatibility/2006">
+        <mc:Choice xmlns:a14="http://schemas.microsoft.com/office/drawing/2010/main" Requires="a14">
+          <p:sp>
+            <p:nvSpPr>
+              <p:cNvPr id="18" name="ZoneTexte 17">
+                <a:extLst>
+                  <a:ext uri="{FF2B5EF4-FFF2-40B4-BE49-F238E27FC236}">
+                    <a16:creationId xmlns:a16="http://schemas.microsoft.com/office/drawing/2014/main" id="{F7883DB2-6204-FA63-0D7A-D3AEDDE12EFA}"/>
+                  </a:ext>
+                </a:extLst>
+              </p:cNvPr>
+              <p:cNvSpPr txBox="1"/>
+              <p:nvPr/>
+            </p:nvSpPr>
+            <p:spPr>
+              <a:xfrm>
+                <a:off x="9231084" y="3742422"/>
+                <a:ext cx="495328" cy="276999"/>
+              </a:xfrm>
+              <a:prstGeom prst="rect">
+                <a:avLst/>
+              </a:prstGeom>
+              <a:noFill/>
+            </p:spPr>
+            <p:txBody>
+              <a:bodyPr wrap="none" lIns="0" tIns="0" rIns="0" bIns="0" rtlCol="0">
+                <a:spAutoFit/>
+              </a:bodyPr>
+              <a:lstStyle/>
+              <a:p>
+                <a:pPr/>
+                <a14:m>
+                  <m:oMathPara xmlns:m="http://schemas.openxmlformats.org/officeDocument/2006/math">
+                    <m:oMathParaPr>
+                      <m:jc m:val="centerGroup"/>
+                    </m:oMathParaPr>
+                    <m:oMath xmlns:m="http://schemas.openxmlformats.org/officeDocument/2006/math">
+                      <m:r>
+                        <a:rPr lang="fr-FR" b="1" i="1" smtClean="0">
+                          <a:latin typeface="Cambria Math" panose="02040503050406030204" pitchFamily="18" charset="0"/>
+                        </a:rPr>
+                        <m:t>𝟑𝟐</m:t>
+                      </m:r>
+                      <m:r>
+                        <a:rPr lang="fr-FR" b="1" i="1" smtClean="0">
+                          <a:latin typeface="Cambria Math" panose="02040503050406030204" pitchFamily="18" charset="0"/>
+                        </a:rPr>
+                        <m:t> </m:t>
+                      </m:r>
+                      <m:r>
+                        <a:rPr lang="fr-FR" b="1" i="1" smtClean="0">
+                          <a:latin typeface="Cambria Math" panose="02040503050406030204" pitchFamily="18" charset="0"/>
+                        </a:rPr>
+                        <m:t>𝒔</m:t>
+                      </m:r>
+                    </m:oMath>
+                  </m:oMathPara>
+                </a14:m>
+                <a:endParaRPr lang="fr-FR" b="1" dirty="0"/>
+              </a:p>
+            </p:txBody>
+          </p:sp>
+        </mc:Choice>
+        <mc:Fallback>
+          <p:sp>
+            <p:nvSpPr>
+              <p:cNvPr id="18" name="ZoneTexte 17">
+                <a:extLst>
+                  <a:ext uri="{FF2B5EF4-FFF2-40B4-BE49-F238E27FC236}">
+                    <a16:creationId xmlns:a16="http://schemas.microsoft.com/office/drawing/2014/main" id="{F7883DB2-6204-FA63-0D7A-D3AEDDE12EFA}"/>
+                  </a:ext>
+                </a:extLst>
+              </p:cNvPr>
+              <p:cNvSpPr txBox="1">
+                <a:spLocks noRot="1" noChangeAspect="1" noMove="1" noResize="1" noEditPoints="1" noAdjustHandles="1" noChangeArrowheads="1" noChangeShapeType="1" noTextEdit="1"/>
+              </p:cNvSpPr>
+              <p:nvPr/>
+            </p:nvSpPr>
+            <p:spPr>
+              <a:xfrm>
+                <a:off x="9231084" y="3742422"/>
+                <a:ext cx="495328" cy="276999"/>
+              </a:xfrm>
+              <a:prstGeom prst="rect">
+                <a:avLst/>
+              </a:prstGeom>
+              <a:blipFill>
+                <a:blip r:embed="rId6"/>
+                <a:stretch>
+                  <a:fillRect l="-9756" r="-6098" b="-6667"/>
+                </a:stretch>
+              </a:blipFill>
+            </p:spPr>
+            <p:txBody>
+              <a:bodyPr/>
+              <a:lstStyle/>
+              <a:p>
+                <a:r>
+                  <a:rPr lang="fr-FR">
+                    <a:noFill/>
+                  </a:rPr>
+                  <a:t> </a:t>
+                </a:r>
+              </a:p>
+            </p:txBody>
+          </p:sp>
+        </mc:Fallback>
+      </mc:AlternateContent>
+    </p:spTree>
+    <p:extLst>
+      <p:ext uri="{BB962C8B-B14F-4D97-AF65-F5344CB8AC3E}">
+        <p14:creationId xmlns:p14="http://schemas.microsoft.com/office/powerpoint/2010/main" val="1232553427"/>
       </p:ext>
     </p:extLst>
   </p:cSld>
